--- a/SDK6UserGuide/images/sdk_6_content.pptx
+++ b/SDK6UserGuide/images/sdk_6_content.pptx
@@ -9101,39 +9101,28 @@
       </p:grpSpPr>
       <p:sp>
         <p:nvSpPr>
-          <p:cNvPr id="68" name="Rounded Rectangle 67">
-            <a:extLst>
-              <a:ext uri="{FF2B5EF4-FFF2-40B4-BE49-F238E27FC236}">
-                <a16:creationId xmlns:a16="http://schemas.microsoft.com/office/drawing/2014/main" id="{68B161DF-0B04-DA43-8872-F08463775AF3}"/>
-              </a:ext>
-            </a:extLst>
-          </p:cNvPr>
+          <p:cNvPr id="28" name="Rounded Rectangle 27"/>
           <p:cNvSpPr/>
           <p:nvPr/>
         </p:nvSpPr>
         <p:spPr>
           <a:xfrm>
-            <a:off x="168637" y="1685675"/>
-            <a:ext cx="2864002" cy="3433267"/>
+            <a:off x="3330743" y="2857666"/>
+            <a:ext cx="2598943" cy="1522216"/>
           </a:xfrm>
           <a:prstGeom prst="roundRect">
             <a:avLst>
-              <a:gd name="adj" fmla="val 5167"/>
+              <a:gd name="adj" fmla="val 15733"/>
             </a:avLst>
           </a:prstGeom>
           <a:solidFill>
             <a:schemeClr val="bg1"/>
           </a:solidFill>
           <a:ln w="12700">
-            <a:noFill/>
+            <a:solidFill>
+              <a:schemeClr val="bg2"/>
+            </a:solidFill>
           </a:ln>
-          <a:effectLst>
-            <a:outerShdw blurRad="101600" algn="ctr" rotWithShape="0">
-              <a:prstClr val="black">
-                <a:alpha val="20000"/>
-              </a:prstClr>
-            </a:outerShdw>
-          </a:effectLst>
         </p:spPr>
         <p:style>
           <a:lnRef idx="2">
@@ -9156,48 +9145,37 @@
           <a:lstStyle/>
           <a:p>
             <a:pPr algn="ctr"/>
-            <a:endParaRPr lang="en-US" dirty="0">
-              <a:latin typeface="Source Sans Pro" panose="020B0503030403020204" pitchFamily="34" charset="0"/>
-              <a:ea typeface="Source Sans Pro" panose="020B0503030403020204" pitchFamily="34" charset="0"/>
-            </a:endParaRPr>
-          </a:p>
-        </p:txBody>
-      </p:sp>
-      <p:sp>
-        <p:nvSpPr>
-          <p:cNvPr id="69" name="Rounded Rectangle 68">
-            <a:extLst>
-              <a:ext uri="{FF2B5EF4-FFF2-40B4-BE49-F238E27FC236}">
-                <a16:creationId xmlns:a16="http://schemas.microsoft.com/office/drawing/2014/main" id="{ABAC10A3-2F9D-8845-95D6-EA98A639CD92}"/>
-              </a:ext>
-            </a:extLst>
-          </p:cNvPr>
+            <a:r>
+              <a:rPr lang="en-US" dirty="0"/>
+              <a:t>z</a:t>
+            </a:r>
+          </a:p>
+        </p:txBody>
+      </p:sp>
+      <p:sp>
+        <p:nvSpPr>
+          <p:cNvPr id="45" name="Rounded Rectangle 44"/>
           <p:cNvSpPr/>
           <p:nvPr/>
         </p:nvSpPr>
         <p:spPr>
           <a:xfrm>
-            <a:off x="569722" y="1422656"/>
-            <a:ext cx="1946972" cy="498545"/>
+            <a:off x="3343254" y="1484784"/>
+            <a:ext cx="2598943" cy="1064346"/>
           </a:xfrm>
           <a:prstGeom prst="roundRect">
             <a:avLst>
-              <a:gd name="adj" fmla="val 50000"/>
+              <a:gd name="adj" fmla="val 15733"/>
             </a:avLst>
           </a:prstGeom>
           <a:solidFill>
             <a:schemeClr val="bg1"/>
           </a:solidFill>
           <a:ln w="12700">
-            <a:noFill/>
+            <a:solidFill>
+              <a:schemeClr val="bg2"/>
+            </a:solidFill>
           </a:ln>
-          <a:effectLst>
-            <a:outerShdw blurRad="101600" algn="ctr" rotWithShape="0">
-              <a:prstClr val="black">
-                <a:alpha val="20000"/>
-              </a:prstClr>
-            </a:outerShdw>
-          </a:effectLst>
         </p:spPr>
         <p:style>
           <a:lnRef idx="2">
@@ -9220,77 +9198,48 @@
           <a:lstStyle/>
           <a:p>
             <a:pPr algn="ctr"/>
-            <a:endParaRPr lang="en-US" dirty="0">
-              <a:latin typeface="Source Sans Pro" panose="020B0503030403020204" pitchFamily="34" charset="0"/>
-              <a:ea typeface="Source Sans Pro" panose="020B0503030403020204" pitchFamily="34" charset="0"/>
-            </a:endParaRPr>
-          </a:p>
-        </p:txBody>
-      </p:sp>
-      <p:sp>
-        <p:nvSpPr>
-          <p:cNvPr id="70" name="TextBox 69">
+            <a:r>
+              <a:rPr lang="en-US" dirty="0"/>
+              <a:t>z</a:t>
+            </a:r>
+          </a:p>
+        </p:txBody>
+      </p:sp>
+      <p:sp>
+        <p:nvSpPr>
+          <p:cNvPr id="68" name="Rounded Rectangle 67">
             <a:extLst>
               <a:ext uri="{FF2B5EF4-FFF2-40B4-BE49-F238E27FC236}">
-                <a16:creationId xmlns:a16="http://schemas.microsoft.com/office/drawing/2014/main" id="{67C95280-1B8D-1941-BF7A-21E0CE227DE4}"/>
+                <a16:creationId xmlns:a16="http://schemas.microsoft.com/office/drawing/2014/main" id="{68B161DF-0B04-DA43-8872-F08463775AF3}"/>
               </a:ext>
             </a:extLst>
           </p:cNvPr>
-          <p:cNvSpPr txBox="1"/>
-          <p:nvPr/>
-        </p:nvSpPr>
-        <p:spPr>
-          <a:xfrm>
-            <a:off x="1019972" y="1538224"/>
-            <a:ext cx="1007605" cy="307777"/>
-          </a:xfrm>
-          <a:prstGeom prst="rect">
-            <a:avLst/>
-          </a:prstGeom>
-          <a:noFill/>
-        </p:spPr>
-        <p:txBody>
-          <a:bodyPr wrap="square" rtlCol="0">
-            <a:spAutoFit/>
-          </a:bodyPr>
-          <a:lstStyle/>
-          <a:p>
-            <a:pPr algn="ctr"/>
-            <a:r>
-              <a:rPr lang="en-US" sz="1400" b="1" dirty="0">
-                <a:latin typeface="Source Sans Pro" charset="0"/>
-                <a:ea typeface="Source Sans Pro" charset="0"/>
-                <a:cs typeface="Source Sans Pro" charset="0"/>
-              </a:rPr>
-              <a:t>IDEs</a:t>
-            </a:r>
-          </a:p>
-        </p:txBody>
-      </p:sp>
-      <p:sp>
-        <p:nvSpPr>
-          <p:cNvPr id="7" name="Rounded Rectangle 6"/>
           <p:cNvSpPr/>
           <p:nvPr/>
         </p:nvSpPr>
         <p:spPr>
           <a:xfrm>
-            <a:off x="6023992" y="2857666"/>
-            <a:ext cx="2250756" cy="2082093"/>
+            <a:off x="168637" y="1685675"/>
+            <a:ext cx="2864002" cy="3433267"/>
           </a:xfrm>
           <a:prstGeom prst="roundRect">
             <a:avLst>
-              <a:gd name="adj" fmla="val 11341"/>
+              <a:gd name="adj" fmla="val 5167"/>
             </a:avLst>
           </a:prstGeom>
           <a:solidFill>
             <a:schemeClr val="bg1"/>
           </a:solidFill>
           <a:ln w="12700">
-            <a:solidFill>
-              <a:schemeClr val="bg2"/>
-            </a:solidFill>
+            <a:noFill/>
           </a:ln>
+          <a:effectLst>
+            <a:outerShdw blurRad="101600" algn="ctr" rotWithShape="0">
+              <a:prstClr val="black">
+                <a:alpha val="20000"/>
+              </a:prstClr>
+            </a:outerShdw>
+          </a:effectLst>
         </p:spPr>
         <p:style>
           <a:lnRef idx="2">
@@ -9313,69 +9262,48 @@
           <a:lstStyle/>
           <a:p>
             <a:pPr algn="ctr"/>
-            <a:r>
-              <a:rPr lang="en-US"/>
-              <a:t>vz</a:t>
-            </a:r>
-            <a:endParaRPr lang="en-US" dirty="0"/>
-          </a:p>
-        </p:txBody>
-      </p:sp>
-      <p:sp>
-        <p:nvSpPr>
-          <p:cNvPr id="27" name="TextBox 26"/>
-          <p:cNvSpPr txBox="1"/>
-          <p:nvPr/>
-        </p:nvSpPr>
-        <p:spPr>
-          <a:xfrm>
-            <a:off x="3503712" y="2957381"/>
-            <a:ext cx="1349528" cy="307777"/>
-          </a:xfrm>
-          <a:prstGeom prst="rect">
-            <a:avLst/>
-          </a:prstGeom>
-          <a:noFill/>
-        </p:spPr>
-        <p:txBody>
-          <a:bodyPr wrap="square" rtlCol="0">
-            <a:spAutoFit/>
-          </a:bodyPr>
-          <a:lstStyle/>
-          <a:p>
-            <a:r>
-              <a:rPr lang="en-US" sz="1400" b="1" dirty="0">
-                <a:latin typeface="Source Sans Pro" charset="0"/>
-                <a:ea typeface="Source Sans Pro" charset="0"/>
-                <a:cs typeface="Source Sans Pro" charset="0"/>
-              </a:rPr>
-              <a:t>SDK</a:t>
-            </a:r>
-          </a:p>
-        </p:txBody>
-      </p:sp>
-      <p:sp>
-        <p:nvSpPr>
-          <p:cNvPr id="28" name="Rounded Rectangle 27"/>
+            <a:endParaRPr lang="en-US" dirty="0">
+              <a:latin typeface="Source Sans Pro" panose="020B0503030403020204" pitchFamily="34" charset="0"/>
+              <a:ea typeface="Source Sans Pro" panose="020B0503030403020204" pitchFamily="34" charset="0"/>
+            </a:endParaRPr>
+          </a:p>
+        </p:txBody>
+      </p:sp>
+      <p:sp>
+        <p:nvSpPr>
+          <p:cNvPr id="69" name="Rounded Rectangle 68">
+            <a:extLst>
+              <a:ext uri="{FF2B5EF4-FFF2-40B4-BE49-F238E27FC236}">
+                <a16:creationId xmlns:a16="http://schemas.microsoft.com/office/drawing/2014/main" id="{ABAC10A3-2F9D-8845-95D6-EA98A639CD92}"/>
+              </a:ext>
+            </a:extLst>
+          </p:cNvPr>
           <p:cNvSpPr/>
           <p:nvPr/>
         </p:nvSpPr>
         <p:spPr>
           <a:xfrm>
-            <a:off x="3330743" y="2857666"/>
-            <a:ext cx="2598943" cy="1522216"/>
+            <a:off x="569722" y="1422656"/>
+            <a:ext cx="1946972" cy="498545"/>
           </a:xfrm>
           <a:prstGeom prst="roundRect">
             <a:avLst>
-              <a:gd name="adj" fmla="val 15733"/>
+              <a:gd name="adj" fmla="val 50000"/>
             </a:avLst>
           </a:prstGeom>
-          <a:noFill/>
+          <a:solidFill>
+            <a:schemeClr val="bg1"/>
+          </a:solidFill>
           <a:ln w="12700">
-            <a:solidFill>
-              <a:schemeClr val="bg2"/>
-            </a:solidFill>
+            <a:noFill/>
           </a:ln>
+          <a:effectLst>
+            <a:outerShdw blurRad="101600" algn="ctr" rotWithShape="0">
+              <a:prstClr val="black">
+                <a:alpha val="20000"/>
+              </a:prstClr>
+            </a:outerShdw>
+          </a:effectLst>
         </p:spPr>
         <p:style>
           <a:lnRef idx="2">
@@ -9398,9 +9326,136 @@
           <a:lstStyle/>
           <a:p>
             <a:pPr algn="ctr"/>
-            <a:r>
-              <a:rPr lang="en-US" dirty="0"/>
-              <a:t>z</a:t>
+            <a:endParaRPr lang="en-US" dirty="0">
+              <a:latin typeface="Source Sans Pro" panose="020B0503030403020204" pitchFamily="34" charset="0"/>
+              <a:ea typeface="Source Sans Pro" panose="020B0503030403020204" pitchFamily="34" charset="0"/>
+            </a:endParaRPr>
+          </a:p>
+        </p:txBody>
+      </p:sp>
+      <p:sp>
+        <p:nvSpPr>
+          <p:cNvPr id="70" name="TextBox 69">
+            <a:extLst>
+              <a:ext uri="{FF2B5EF4-FFF2-40B4-BE49-F238E27FC236}">
+                <a16:creationId xmlns:a16="http://schemas.microsoft.com/office/drawing/2014/main" id="{67C95280-1B8D-1941-BF7A-21E0CE227DE4}"/>
+              </a:ext>
+            </a:extLst>
+          </p:cNvPr>
+          <p:cNvSpPr txBox="1"/>
+          <p:nvPr/>
+        </p:nvSpPr>
+        <p:spPr>
+          <a:xfrm>
+            <a:off x="1019972" y="1538224"/>
+            <a:ext cx="1007605" cy="307777"/>
+          </a:xfrm>
+          <a:prstGeom prst="rect">
+            <a:avLst/>
+          </a:prstGeom>
+          <a:noFill/>
+        </p:spPr>
+        <p:txBody>
+          <a:bodyPr wrap="square" rtlCol="0">
+            <a:spAutoFit/>
+          </a:bodyPr>
+          <a:lstStyle/>
+          <a:p>
+            <a:pPr algn="ctr"/>
+            <a:r>
+              <a:rPr lang="en-US" sz="1400" b="1" dirty="0">
+                <a:latin typeface="Source Sans Pro" charset="0"/>
+                <a:ea typeface="Source Sans Pro" charset="0"/>
+                <a:cs typeface="Source Sans Pro" charset="0"/>
+              </a:rPr>
+              <a:t>IDEs</a:t>
+            </a:r>
+          </a:p>
+        </p:txBody>
+      </p:sp>
+      <p:sp>
+        <p:nvSpPr>
+          <p:cNvPr id="7" name="Rounded Rectangle 6"/>
+          <p:cNvSpPr/>
+          <p:nvPr/>
+        </p:nvSpPr>
+        <p:spPr>
+          <a:xfrm>
+            <a:off x="6023992" y="2857666"/>
+            <a:ext cx="2250756" cy="2082093"/>
+          </a:xfrm>
+          <a:prstGeom prst="roundRect">
+            <a:avLst>
+              <a:gd name="adj" fmla="val 11341"/>
+            </a:avLst>
+          </a:prstGeom>
+          <a:solidFill>
+            <a:schemeClr val="bg1"/>
+          </a:solidFill>
+          <a:ln w="12700">
+            <a:solidFill>
+              <a:schemeClr val="bg2"/>
+            </a:solidFill>
+          </a:ln>
+        </p:spPr>
+        <p:style>
+          <a:lnRef idx="2">
+            <a:schemeClr val="accent1">
+              <a:shade val="50000"/>
+            </a:schemeClr>
+          </a:lnRef>
+          <a:fillRef idx="1">
+            <a:schemeClr val="accent1"/>
+          </a:fillRef>
+          <a:effectRef idx="0">
+            <a:schemeClr val="accent1"/>
+          </a:effectRef>
+          <a:fontRef idx="minor">
+            <a:schemeClr val="lt1"/>
+          </a:fontRef>
+        </p:style>
+        <p:txBody>
+          <a:bodyPr rtlCol="0" anchor="ctr"/>
+          <a:lstStyle/>
+          <a:p>
+            <a:pPr algn="ctr"/>
+            <a:r>
+              <a:rPr lang="en-US"/>
+              <a:t>vz</a:t>
+            </a:r>
+            <a:endParaRPr lang="en-US" dirty="0"/>
+          </a:p>
+        </p:txBody>
+      </p:sp>
+      <p:sp>
+        <p:nvSpPr>
+          <p:cNvPr id="27" name="TextBox 26"/>
+          <p:cNvSpPr txBox="1"/>
+          <p:nvPr/>
+        </p:nvSpPr>
+        <p:spPr>
+          <a:xfrm>
+            <a:off x="3503712" y="2957381"/>
+            <a:ext cx="1349528" cy="307777"/>
+          </a:xfrm>
+          <a:prstGeom prst="rect">
+            <a:avLst/>
+          </a:prstGeom>
+          <a:noFill/>
+        </p:spPr>
+        <p:txBody>
+          <a:bodyPr wrap="square" rtlCol="0">
+            <a:spAutoFit/>
+          </a:bodyPr>
+          <a:lstStyle/>
+          <a:p>
+            <a:r>
+              <a:rPr lang="en-US" sz="1400" b="1" dirty="0">
+                <a:latin typeface="Source Sans Pro" charset="0"/>
+                <a:ea typeface="Source Sans Pro" charset="0"/>
+                <a:cs typeface="Source Sans Pro" charset="0"/>
+              </a:rPr>
+              <a:t>SDK</a:t>
             </a:r>
           </a:p>
         </p:txBody>
@@ -10877,57 +10932,6 @@
                 <a:cs typeface="Source Sans Pro" charset="0"/>
               </a:rPr>
               <a:t>Build System</a:t>
-            </a:r>
-          </a:p>
-        </p:txBody>
-      </p:sp>
-      <p:sp>
-        <p:nvSpPr>
-          <p:cNvPr id="45" name="Rounded Rectangle 44"/>
-          <p:cNvSpPr/>
-          <p:nvPr/>
-        </p:nvSpPr>
-        <p:spPr>
-          <a:xfrm>
-            <a:off x="3343254" y="1484784"/>
-            <a:ext cx="2598943" cy="1064346"/>
-          </a:xfrm>
-          <a:prstGeom prst="roundRect">
-            <a:avLst>
-              <a:gd name="adj" fmla="val 15733"/>
-            </a:avLst>
-          </a:prstGeom>
-          <a:noFill/>
-          <a:ln w="12700">
-            <a:solidFill>
-              <a:schemeClr val="bg2"/>
-            </a:solidFill>
-          </a:ln>
-        </p:spPr>
-        <p:style>
-          <a:lnRef idx="2">
-            <a:schemeClr val="accent1">
-              <a:shade val="50000"/>
-            </a:schemeClr>
-          </a:lnRef>
-          <a:fillRef idx="1">
-            <a:schemeClr val="accent1"/>
-          </a:fillRef>
-          <a:effectRef idx="0">
-            <a:schemeClr val="accent1"/>
-          </a:effectRef>
-          <a:fontRef idx="minor">
-            <a:schemeClr val="lt1"/>
-          </a:fontRef>
-        </p:style>
-        <p:txBody>
-          <a:bodyPr rtlCol="0" anchor="ctr"/>
-          <a:lstStyle/>
-          <a:p>
-            <a:pPr algn="ctr"/>
-            <a:r>
-              <a:rPr lang="en-US" dirty="0"/>
-              <a:t>z</a:t>
             </a:r>
           </a:p>
         </p:txBody>

--- a/SDK6UserGuide/images/sdk_6_content.pptx
+++ b/SDK6UserGuide/images/sdk_6_content.pptx
@@ -218,7 +218,7 @@
               <a:rPr lang="fr-FR" smtClean="0">
                 <a:latin typeface="Calibri Regular" charset="0"/>
               </a:rPr>
-              <a:t>vendredi 27 octobre 2023</a:t>
+              <a:t>mardi 22 avril 2025</a:t>
             </a:fld>
             <a:endParaRPr lang="en-US" dirty="0">
               <a:latin typeface="Calibri Regular" charset="0"/>
@@ -396,7 +396,7 @@
           <a:p>
             <a:fld id="{885721CF-495B-2B41-A23A-4D3221F80235}" type="datetime2">
               <a:rPr lang="fr-FR" smtClean="0"/>
-              <a:t>vendredi 27 octobre 2023</a:t>
+              <a:t>mardi 22 avril 2025</a:t>
             </a:fld>
             <a:endParaRPr lang="en-US" dirty="0"/>
           </a:p>
@@ -9857,7 +9857,7 @@
         </p:blipFill>
         <p:spPr bwMode="auto">
           <a:xfrm>
-            <a:off x="1834910" y="3402308"/>
+            <a:off x="737772" y="3292886"/>
             <a:ext cx="762103" cy="762103"/>
           </a:xfrm>
           <a:prstGeom prst="rect">
@@ -9891,7 +9891,7 @@
         </p:blipFill>
         <p:spPr>
           <a:xfrm>
-            <a:off x="1036770" y="4473065"/>
+            <a:off x="1655528" y="4360321"/>
             <a:ext cx="990807" cy="231833"/>
           </a:xfrm>
           <a:prstGeom prst="rect">
@@ -10149,6 +10149,9 @@
             </a:lvl1pPr>
           </a:lstStyle>
           <a:p>
+            <a:endParaRPr lang="en-US" dirty="0"/>
+          </a:p>
+          <a:p>
             <a:r>
               <a:rPr lang="en-US" dirty="0"/>
               <a:t>Packs</a:t>
@@ -10166,12 +10169,6 @@
               <a:t>Add-On Libraries</a:t>
             </a:r>
             <a:endParaRPr lang="en-US" b="1" dirty="0"/>
-          </a:p>
-          <a:p>
-            <a:r>
-              <a:rPr lang="en-US" dirty="0"/>
-              <a:t>Abstraction Layer Implementations</a:t>
-            </a:r>
           </a:p>
           <a:p>
             <a:r>
@@ -10316,7 +10313,7 @@
         <p:spPr>
           <a:xfrm>
             <a:off x="8895062" y="1775667"/>
-            <a:ext cx="2423178" cy="400110"/>
+            <a:ext cx="2423178" cy="553998"/>
           </a:xfrm>
           <a:prstGeom prst="rect">
             <a:avLst/>
@@ -10362,7 +10359,32 @@
             </a:r>
             <a:r>
               <a:rPr lang="en-US" i="1" dirty="0"/>
-              <a:t>, Apache, Eclipse, BSD, etc.</a:t>
+              <a:t>, </a:t>
+            </a:r>
+            <a:r>
+              <a:rPr lang="en-US" i="1" dirty="0">
+                <a:solidFill>
+                  <a:schemeClr val="accent1"/>
+                </a:solidFill>
+              </a:rPr>
+              <a:t>Commercial Component</a:t>
+            </a:r>
+          </a:p>
+          <a:p>
+            <a:pPr marL="0" indent="0">
+              <a:buNone/>
+            </a:pPr>
+            <a:r>
+              <a:rPr lang="en-US" i="1" dirty="0">
+                <a:solidFill>
+                  <a:schemeClr val="accent1"/>
+                </a:solidFill>
+              </a:rPr>
+              <a:t> </a:t>
+            </a:r>
+            <a:r>
+              <a:rPr lang="en-US" i="1" dirty="0"/>
+              <a:t>Apache, Eclipse, BSD, etc.</a:t>
             </a:r>
           </a:p>
         </p:txBody>
@@ -10550,7 +10572,7 @@
           <a:p>
             <a:r>
               <a:rPr lang="en-US" dirty="0"/>
-              <a:t>Abstraction Layer Implementations</a:t>
+              <a:t>Third Party C Modules</a:t>
             </a:r>
           </a:p>
           <a:p>
@@ -10568,7 +10590,7 @@
           <a:p>
             <a:r>
               <a:rPr lang="en-US" dirty="0"/>
-              <a:t>Demo Firmware &amp; Virtual Devices</a:t>
+              <a:t>Demo Kernels &amp; Virtual Devices</a:t>
             </a:r>
           </a:p>
         </p:txBody>
@@ -11019,8 +11041,55 @@
         </p:blipFill>
         <p:spPr bwMode="auto">
           <a:xfrm>
-            <a:off x="569722" y="3379136"/>
+            <a:off x="706702" y="3991201"/>
             <a:ext cx="835847" cy="835847"/>
+          </a:xfrm>
+          <a:prstGeom prst="rect">
+            <a:avLst/>
+          </a:prstGeom>
+          <a:noFill/>
+          <a:extLst>
+            <a:ext uri="{909E8E84-426E-40DD-AFC4-6F175D3DCCD1}">
+              <a14:hiddenFill xmlns:a14="http://schemas.microsoft.com/office/drawing/2010/main">
+                <a:solidFill>
+                  <a:srgbClr val="FFFFFF"/>
+                </a:solidFill>
+              </a14:hiddenFill>
+            </a:ext>
+          </a:extLst>
+        </p:spPr>
+      </p:pic>
+      <p:pic>
+        <p:nvPicPr>
+          <p:cNvPr id="3" name="Picture 2">
+            <a:extLst>
+              <a:ext uri="{FF2B5EF4-FFF2-40B4-BE49-F238E27FC236}">
+                <a16:creationId xmlns:a16="http://schemas.microsoft.com/office/drawing/2014/main" id="{F895D3EC-6013-4A9A-34D0-EB3EB4E3DE4A}"/>
+              </a:ext>
+            </a:extLst>
+          </p:cNvPr>
+          <p:cNvPicPr>
+            <a:picLocks noChangeAspect="1" noChangeArrowheads="1"/>
+          </p:cNvPicPr>
+          <p:nvPr/>
+        </p:nvPicPr>
+        <p:blipFill>
+          <a:blip r:embed="rId10" cstate="print">
+            <a:extLst>
+              <a:ext uri="{28A0092B-C50C-407E-A947-70E740481C1C}">
+                <a14:useLocalDpi xmlns:a14="http://schemas.microsoft.com/office/drawing/2010/main" val="0"/>
+              </a:ext>
+            </a:extLst>
+          </a:blip>
+          <a:srcRect/>
+          <a:stretch>
+            <a:fillRect/>
+          </a:stretch>
+        </p:blipFill>
+        <p:spPr bwMode="auto">
+          <a:xfrm>
+            <a:off x="1753019" y="3292886"/>
+            <a:ext cx="762103" cy="762103"/>
           </a:xfrm>
           <a:prstGeom prst="rect">
             <a:avLst/>
